--- a/Week11/W11.03. Coding the Many-to-Many Relationship.pptx
+++ b/Week11/W11.03. Coding the Many-to-Many Relationship.pptx
@@ -157,6 +157,117 @@
 <file path=ppt/changesInfos/changesInfo1.xml><?xml version="1.0" encoding="utf-8"?>
 <pc:chgInfo xmlns:a="http://schemas.openxmlformats.org/drawingml/2006/main" xmlns:r="http://schemas.openxmlformats.org/officeDocument/2006/relationships" xmlns:ac="http://schemas.microsoft.com/office/drawing/2013/main/command" xmlns:pc="http://schemas.microsoft.com/office/powerpoint/2013/main/command">
   <pc:docChgLst>
+    <pc:chgData name="Chuck Kiefriter" userId="a996b49251c4dfd2" providerId="LiveId" clId="{B147431F-B0A6-4552-90DA-E254F803D5AB}"/>
+    <pc:docChg chg="modSld">
+      <pc:chgData name="Chuck Kiefriter" userId="a996b49251c4dfd2" providerId="LiveId" clId="{B147431F-B0A6-4552-90DA-E254F803D5AB}" dt="2024-02-28T00:47:20.649" v="9" actId="14100"/>
+      <pc:docMkLst>
+        <pc:docMk/>
+      </pc:docMkLst>
+      <pc:sldChg chg="modSp mod">
+        <pc:chgData name="Chuck Kiefriter" userId="a996b49251c4dfd2" providerId="LiveId" clId="{B147431F-B0A6-4552-90DA-E254F803D5AB}" dt="2024-02-28T00:46:20.359" v="8" actId="1076"/>
+        <pc:sldMkLst>
+          <pc:docMk/>
+          <pc:sldMk cId="1519290219" sldId="284"/>
+        </pc:sldMkLst>
+        <pc:spChg chg="mod">
+          <ac:chgData name="Chuck Kiefriter" userId="a996b49251c4dfd2" providerId="LiveId" clId="{B147431F-B0A6-4552-90DA-E254F803D5AB}" dt="2024-02-28T00:46:20.359" v="8" actId="1076"/>
+          <ac:spMkLst>
+            <pc:docMk/>
+            <pc:sldMk cId="1519290219" sldId="284"/>
+            <ac:spMk id="5" creationId="{FD38C7D5-4B71-47D5-AC51-ADCC9BE06CE7}"/>
+          </ac:spMkLst>
+        </pc:spChg>
+        <pc:spChg chg="mod">
+          <ac:chgData name="Chuck Kiefriter" userId="a996b49251c4dfd2" providerId="LiveId" clId="{B147431F-B0A6-4552-90DA-E254F803D5AB}" dt="2024-02-28T00:46:20.359" v="8" actId="1076"/>
+          <ac:spMkLst>
+            <pc:docMk/>
+            <pc:sldMk cId="1519290219" sldId="284"/>
+            <ac:spMk id="7" creationId="{9BD57346-0198-46C2-B658-B5AE703F013A}"/>
+          </ac:spMkLst>
+        </pc:spChg>
+        <pc:spChg chg="mod">
+          <ac:chgData name="Chuck Kiefriter" userId="a996b49251c4dfd2" providerId="LiveId" clId="{B147431F-B0A6-4552-90DA-E254F803D5AB}" dt="2024-02-28T00:46:20.359" v="8" actId="1076"/>
+          <ac:spMkLst>
+            <pc:docMk/>
+            <pc:sldMk cId="1519290219" sldId="284"/>
+            <ac:spMk id="14" creationId="{65BC955C-4AE3-45B1-864D-890CF1F4AC3E}"/>
+          </ac:spMkLst>
+        </pc:spChg>
+        <pc:graphicFrameChg chg="mod">
+          <ac:chgData name="Chuck Kiefriter" userId="a996b49251c4dfd2" providerId="LiveId" clId="{B147431F-B0A6-4552-90DA-E254F803D5AB}" dt="2024-02-28T00:46:20.359" v="8" actId="1076"/>
+          <ac:graphicFrameMkLst>
+            <pc:docMk/>
+            <pc:sldMk cId="1519290219" sldId="284"/>
+            <ac:graphicFrameMk id="4" creationId="{5C8BD467-6EB4-402B-8D14-892475D7D806}"/>
+          </ac:graphicFrameMkLst>
+        </pc:graphicFrameChg>
+        <pc:graphicFrameChg chg="mod">
+          <ac:chgData name="Chuck Kiefriter" userId="a996b49251c4dfd2" providerId="LiveId" clId="{B147431F-B0A6-4552-90DA-E254F803D5AB}" dt="2024-02-28T00:46:20.359" v="8" actId="1076"/>
+          <ac:graphicFrameMkLst>
+            <pc:docMk/>
+            <pc:sldMk cId="1519290219" sldId="284"/>
+            <ac:graphicFrameMk id="12" creationId="{8DC524A0-CE05-4B2E-A291-6CAFA7188063}"/>
+          </ac:graphicFrameMkLst>
+        </pc:graphicFrameChg>
+        <pc:graphicFrameChg chg="mod">
+          <ac:chgData name="Chuck Kiefriter" userId="a996b49251c4dfd2" providerId="LiveId" clId="{B147431F-B0A6-4552-90DA-E254F803D5AB}" dt="2024-02-28T00:46:20.359" v="8" actId="1076"/>
+          <ac:graphicFrameMkLst>
+            <pc:docMk/>
+            <pc:sldMk cId="1519290219" sldId="284"/>
+            <ac:graphicFrameMk id="13" creationId="{CAC5F52B-20B0-4414-A2E3-88628F52F299}"/>
+          </ac:graphicFrameMkLst>
+        </pc:graphicFrameChg>
+        <pc:cxnChg chg="mod">
+          <ac:chgData name="Chuck Kiefriter" userId="a996b49251c4dfd2" providerId="LiveId" clId="{B147431F-B0A6-4552-90DA-E254F803D5AB}" dt="2024-02-28T00:46:20.359" v="8" actId="1076"/>
+          <ac:cxnSpMkLst>
+            <pc:docMk/>
+            <pc:sldMk cId="1519290219" sldId="284"/>
+            <ac:cxnSpMk id="19" creationId="{6EE8B5CD-FA15-43A1-A38F-0251FFCFB960}"/>
+          </ac:cxnSpMkLst>
+        </pc:cxnChg>
+        <pc:cxnChg chg="mod">
+          <ac:chgData name="Chuck Kiefriter" userId="a996b49251c4dfd2" providerId="LiveId" clId="{B147431F-B0A6-4552-90DA-E254F803D5AB}" dt="2024-02-28T00:46:20.359" v="8" actId="1076"/>
+          <ac:cxnSpMkLst>
+            <pc:docMk/>
+            <pc:sldMk cId="1519290219" sldId="284"/>
+            <ac:cxnSpMk id="24" creationId="{53434470-8ED7-4934-85E0-AF907E79C32A}"/>
+          </ac:cxnSpMkLst>
+        </pc:cxnChg>
+        <pc:cxnChg chg="mod">
+          <ac:chgData name="Chuck Kiefriter" userId="a996b49251c4dfd2" providerId="LiveId" clId="{B147431F-B0A6-4552-90DA-E254F803D5AB}" dt="2024-02-28T00:46:20.359" v="8" actId="1076"/>
+          <ac:cxnSpMkLst>
+            <pc:docMk/>
+            <pc:sldMk cId="1519290219" sldId="284"/>
+            <ac:cxnSpMk id="26" creationId="{CC2E7D9A-C943-49D4-89D3-39E57E76502C}"/>
+          </ac:cxnSpMkLst>
+        </pc:cxnChg>
+        <pc:cxnChg chg="mod">
+          <ac:chgData name="Chuck Kiefriter" userId="a996b49251c4dfd2" providerId="LiveId" clId="{B147431F-B0A6-4552-90DA-E254F803D5AB}" dt="2024-02-28T00:46:20.359" v="8" actId="1076"/>
+          <ac:cxnSpMkLst>
+            <pc:docMk/>
+            <pc:sldMk cId="1519290219" sldId="284"/>
+            <ac:cxnSpMk id="28" creationId="{7509C83A-4E19-4507-BFD7-9377AB150B5B}"/>
+          </ac:cxnSpMkLst>
+        </pc:cxnChg>
+      </pc:sldChg>
+      <pc:sldChg chg="modSp mod">
+        <pc:chgData name="Chuck Kiefriter" userId="a996b49251c4dfd2" providerId="LiveId" clId="{B147431F-B0A6-4552-90DA-E254F803D5AB}" dt="2024-02-28T00:47:20.649" v="9" actId="14100"/>
+        <pc:sldMkLst>
+          <pc:docMk/>
+          <pc:sldMk cId="1997456510" sldId="286"/>
+        </pc:sldMkLst>
+        <pc:spChg chg="mod">
+          <ac:chgData name="Chuck Kiefriter" userId="a996b49251c4dfd2" providerId="LiveId" clId="{B147431F-B0A6-4552-90DA-E254F803D5AB}" dt="2024-02-28T00:47:20.649" v="9" actId="14100"/>
+          <ac:spMkLst>
+            <pc:docMk/>
+            <pc:sldMk cId="1997456510" sldId="286"/>
+            <ac:spMk id="3" creationId="{912FBA8A-B372-46A6-88BD-B16468B58285}"/>
+          </ac:spMkLst>
+        </pc:spChg>
+      </pc:sldChg>
+    </pc:docChg>
+  </pc:docChgLst>
+  <pc:docChgLst>
     <pc:chgData name="Charles Kiefriter" userId="a996b49251c4dfd2" providerId="LiveId" clId="{4468CEA3-EDC5-4DBD-AFB2-F024FF243DED}"/>
     <pc:docChg chg="modSld">
       <pc:chgData name="Charles Kiefriter" userId="a996b49251c4dfd2" providerId="LiveId" clId="{4468CEA3-EDC5-4DBD-AFB2-F024FF243DED}" dt="2023-05-16T23:49:55.127" v="0" actId="1036"/>
@@ -265,7 +376,7 @@
           <a:p>
             <a:fld id="{BF1BC3E4-C956-40CB-AFCD-8F927AFF366E}" type="datetimeFigureOut">
               <a:rPr lang="en-US" smtClean="0"/>
-              <a:t>5/16/2023</a:t>
+              <a:t>2/27/2024</a:t>
             </a:fld>
             <a:endParaRPr lang="en-US"/>
           </a:p>
@@ -1096,7 +1207,7 @@
           <a:p>
             <a:fld id="{548C5E67-172B-4F6A-B3B9-DEF72F952E5B}" type="datetimeFigureOut">
               <a:rPr lang="en-US" smtClean="0"/>
-              <a:t>5/16/2023</a:t>
+              <a:t>2/27/2024</a:t>
             </a:fld>
             <a:endParaRPr lang="en-US"/>
           </a:p>
@@ -1300,7 +1411,7 @@
           <a:p>
             <a:fld id="{548C5E67-172B-4F6A-B3B9-DEF72F952E5B}" type="datetimeFigureOut">
               <a:rPr lang="en-US" smtClean="0"/>
-              <a:t>5/16/2023</a:t>
+              <a:t>2/27/2024</a:t>
             </a:fld>
             <a:endParaRPr lang="en-US"/>
           </a:p>
@@ -1494,7 +1605,7 @@
           <a:p>
             <a:fld id="{548C5E67-172B-4F6A-B3B9-DEF72F952E5B}" type="datetimeFigureOut">
               <a:rPr lang="en-US" smtClean="0"/>
-              <a:t>5/16/2023</a:t>
+              <a:t>2/27/2024</a:t>
             </a:fld>
             <a:endParaRPr lang="en-US"/>
           </a:p>
@@ -2539,7 +2650,7 @@
           <a:p>
             <a:fld id="{548C5E67-172B-4F6A-B3B9-DEF72F952E5B}" type="datetimeFigureOut">
               <a:rPr lang="en-US" smtClean="0"/>
-              <a:t>5/16/2023</a:t>
+              <a:t>2/27/2024</a:t>
             </a:fld>
             <a:endParaRPr lang="en-US"/>
           </a:p>
@@ -2820,7 +2931,7 @@
           <a:p>
             <a:fld id="{548C5E67-172B-4F6A-B3B9-DEF72F952E5B}" type="datetimeFigureOut">
               <a:rPr lang="en-US" smtClean="0"/>
-              <a:t>5/16/2023</a:t>
+              <a:t>2/27/2024</a:t>
             </a:fld>
             <a:endParaRPr lang="en-US"/>
           </a:p>
@@ -4008,10 +4119,16 @@
           <p:cNvGraphicFramePr>
             <a:graphicFrameLocks noGrp="1"/>
           </p:cNvGraphicFramePr>
-          <p:nvPr/>
+          <p:nvPr>
+            <p:extLst>
+              <p:ext uri="{D42A27DB-BD31-4B8C-83A1-F6EECF244321}">
+                <p14:modId xmlns:p14="http://schemas.microsoft.com/office/powerpoint/2010/main" val="939649050"/>
+              </p:ext>
+            </p:extLst>
+          </p:nvPr>
         </p:nvGraphicFramePr>
         <p:xfrm>
-          <a:off x="4241800" y="3429000"/>
+          <a:off x="945388" y="4139149"/>
           <a:ext cx="2578100" cy="1112520"/>
         </p:xfrm>
         <a:graphic>
@@ -4158,7 +4275,7 @@
         </p:nvSpPr>
         <p:spPr>
           <a:xfrm>
-            <a:off x="4241800" y="3059668"/>
+            <a:off x="945388" y="3769817"/>
             <a:ext cx="1409700" cy="369332"/>
           </a:xfrm>
           <a:prstGeom prst="rect">
@@ -4223,7 +4340,7 @@
         </p:nvSpPr>
         <p:spPr>
           <a:xfrm>
-            <a:off x="4241800" y="4743688"/>
+            <a:off x="7892288" y="3777437"/>
             <a:ext cx="1600200" cy="369332"/>
           </a:xfrm>
           <a:prstGeom prst="rect">
@@ -4286,10 +4403,16 @@
           <p:cNvGraphicFramePr>
             <a:graphicFrameLocks noGrp="1"/>
           </p:cNvGraphicFramePr>
-          <p:nvPr/>
+          <p:nvPr>
+            <p:extLst>
+              <p:ext uri="{D42A27DB-BD31-4B8C-83A1-F6EECF244321}">
+                <p14:modId xmlns:p14="http://schemas.microsoft.com/office/powerpoint/2010/main" val="3991645011"/>
+              </p:ext>
+            </p:extLst>
+          </p:nvPr>
         </p:nvGraphicFramePr>
         <p:xfrm>
-          <a:off x="4203700" y="5113020"/>
+          <a:off x="7854188" y="4146769"/>
           <a:ext cx="2603500" cy="1112520"/>
         </p:xfrm>
         <a:graphic>
@@ -4438,10 +4561,16 @@
           <p:cNvGraphicFramePr>
             <a:graphicFrameLocks noGrp="1"/>
           </p:cNvGraphicFramePr>
-          <p:nvPr/>
+          <p:nvPr>
+            <p:extLst>
+              <p:ext uri="{D42A27DB-BD31-4B8C-83A1-F6EECF244321}">
+                <p14:modId xmlns:p14="http://schemas.microsoft.com/office/powerpoint/2010/main" val="2166239027"/>
+              </p:ext>
+            </p:extLst>
+          </p:nvPr>
         </p:nvGraphicFramePr>
         <p:xfrm>
-          <a:off x="838200" y="5113020"/>
+          <a:off x="4488688" y="4146769"/>
           <a:ext cx="2603500" cy="1112520"/>
         </p:xfrm>
         <a:graphic>
@@ -4601,7 +4730,7 @@
         </p:nvSpPr>
         <p:spPr>
           <a:xfrm>
-            <a:off x="838200" y="4743688"/>
+            <a:off x="4488688" y="3777437"/>
             <a:ext cx="2578100" cy="369332"/>
           </a:xfrm>
           <a:prstGeom prst="rect">
@@ -4686,7 +4815,7 @@
         </p:nvCxnSpPr>
         <p:spPr>
           <a:xfrm>
-            <a:off x="2540000" y="5661660"/>
+            <a:off x="6190488" y="4695409"/>
             <a:ext cx="1663700" cy="7620"/>
           </a:xfrm>
           <a:prstGeom prst="line">
@@ -4724,7 +4853,7 @@
         </p:nvCxnSpPr>
         <p:spPr>
           <a:xfrm>
-            <a:off x="2540000" y="6030992"/>
+            <a:off x="6190488" y="5064741"/>
             <a:ext cx="1663700" cy="7620"/>
           </a:xfrm>
           <a:prstGeom prst="line">
@@ -4755,13 +4884,16 @@
               </a:ext>
             </a:extLst>
           </p:cNvPr>
-          <p:cNvCxnSpPr/>
+          <p:cNvCxnSpPr>
+            <a:cxnSpLocks/>
+            <a:endCxn id="13" idx="1"/>
+          </p:cNvCxnSpPr>
           <p:nvPr/>
         </p:nvCxnSpPr>
         <p:spPr>
           <a:xfrm flipV="1">
-            <a:off x="1117600" y="4395252"/>
-            <a:ext cx="3086100" cy="1289268"/>
+            <a:off x="3523488" y="4703029"/>
+            <a:ext cx="965200" cy="354092"/>
           </a:xfrm>
           <a:prstGeom prst="line">
             <a:avLst/>
@@ -4791,13 +4923,15 @@
               </a:ext>
             </a:extLst>
           </p:cNvPr>
-          <p:cNvCxnSpPr/>
+          <p:cNvCxnSpPr>
+            <a:cxnSpLocks/>
+          </p:cNvCxnSpPr>
           <p:nvPr/>
         </p:nvCxnSpPr>
         <p:spPr>
           <a:xfrm flipV="1">
-            <a:off x="1104900" y="4395252"/>
-            <a:ext cx="3098800" cy="1643360"/>
+            <a:off x="3523488" y="5057121"/>
+            <a:ext cx="965200" cy="15240"/>
           </a:xfrm>
           <a:prstGeom prst="line">
             <a:avLst/>
@@ -5473,7 +5607,7 @@
         <p:spPr>
           <a:xfrm>
             <a:off x="838200" y="1825625"/>
-            <a:ext cx="6235700" cy="4351338"/>
+            <a:ext cx="10515600" cy="4351338"/>
           </a:xfrm>
         </p:spPr>
         <p:txBody>
